--- a/starter.pptx
+++ b/starter.pptx
@@ -4,7 +4,7 @@
   <p:sldMasterIdLst>
     <p:sldMasterId id="2147483648" r:id="rId1"/>
   </p:sldMasterIdLst>
-  <p:sldSz cx="12192000" cy="6858000"/>
+  <p:sldSz cx="9144000" cy="6858000" type="screen4x3"/>
   <p:notesSz cx="6858000" cy="9144000"/>
   <p:defaultTextStyle>
     <a:defPPr>
@@ -101,6 +101,11 @@
       </a:defRPr>
     </a:lvl9pPr>
   </p:defaultTextStyle>
+  <p:extLst>
+    <p:ext uri="{EFAFB233-063F-42B5-8137-9DF3F51BA10A}">
+      <p15:sldGuideLst xmlns:p15="http://schemas.microsoft.com/office/powerpoint/2012/main"/>
+    </p:ext>
+  </p:extLst>
 </p:presentation>
 </file>
 
@@ -141,8 +146,8 @@
         </p:nvSpPr>
         <p:spPr>
           <a:xfrm>
-            <a:off x="1915128" y="1788454"/>
-            <a:ext cx="8361229" cy="2098226"/>
+            <a:off x="1436346" y="1788454"/>
+            <a:ext cx="6270922" cy="2098226"/>
           </a:xfrm>
         </p:spPr>
         <p:txBody>
@@ -151,7 +156,7 @@
           </a:bodyPr>
           <a:lstStyle>
             <a:lvl1pPr algn="ctr">
-              <a:defRPr sz="7200" cap="all" baseline="0">
+              <a:defRPr sz="5400" cap="all" baseline="0">
                 <a:solidFill>
                   <a:schemeClr val="tx2"/>
                 </a:solidFill>
@@ -179,8 +184,8 @@
         </p:nvSpPr>
         <p:spPr>
           <a:xfrm>
-            <a:off x="2679906" y="3956279"/>
-            <a:ext cx="6831673" cy="1086237"/>
+            <a:off x="2009930" y="3956280"/>
+            <a:ext cx="5123755" cy="1086237"/>
           </a:xfrm>
         </p:spPr>
         <p:txBody>
@@ -199,39 +204,39 @@
                 <a:spcPts val="0"/>
               </a:spcAft>
               <a:buNone/>
-              <a:defRPr sz="2300"/>
+              <a:defRPr sz="1725"/>
             </a:lvl1pPr>
-            <a:lvl2pPr marL="457200" indent="0" algn="ctr">
-              <a:buNone/>
-              <a:defRPr sz="2000"/>
+            <a:lvl2pPr marL="342900" indent="0" algn="ctr">
+              <a:buNone/>
+              <a:defRPr sz="1500"/>
             </a:lvl2pPr>
-            <a:lvl3pPr marL="914400" indent="0" algn="ctr">
-              <a:buNone/>
-              <a:defRPr sz="1800"/>
+            <a:lvl3pPr marL="685800" indent="0" algn="ctr">
+              <a:buNone/>
+              <a:defRPr sz="1350"/>
             </a:lvl3pPr>
-            <a:lvl4pPr marL="1371600" indent="0" algn="ctr">
-              <a:buNone/>
-              <a:defRPr sz="1600"/>
+            <a:lvl4pPr marL="1028700" indent="0" algn="ctr">
+              <a:buNone/>
+              <a:defRPr sz="1200"/>
             </a:lvl4pPr>
-            <a:lvl5pPr marL="1828800" indent="0" algn="ctr">
-              <a:buNone/>
-              <a:defRPr sz="1600"/>
+            <a:lvl5pPr marL="1371600" indent="0" algn="ctr">
+              <a:buNone/>
+              <a:defRPr sz="1200"/>
             </a:lvl5pPr>
-            <a:lvl6pPr marL="2286000" indent="0" algn="ctr">
-              <a:buNone/>
-              <a:defRPr sz="1600"/>
+            <a:lvl6pPr marL="1714500" indent="0" algn="ctr">
+              <a:buNone/>
+              <a:defRPr sz="1200"/>
             </a:lvl6pPr>
-            <a:lvl7pPr marL="2743200" indent="0" algn="ctr">
-              <a:buNone/>
-              <a:defRPr sz="1600"/>
+            <a:lvl7pPr marL="2057400" indent="0" algn="ctr">
+              <a:buNone/>
+              <a:defRPr sz="1200"/>
             </a:lvl7pPr>
-            <a:lvl8pPr marL="3200400" indent="0" algn="ctr">
-              <a:buNone/>
-              <a:defRPr sz="1600"/>
+            <a:lvl8pPr marL="2400300" indent="0" algn="ctr">
+              <a:buNone/>
+              <a:defRPr sz="1200"/>
             </a:lvl8pPr>
-            <a:lvl9pPr marL="3657600" indent="0" algn="ctr">
-              <a:buNone/>
-              <a:defRPr sz="1600"/>
+            <a:lvl9pPr marL="2743200" indent="0" algn="ctr">
+              <a:buNone/>
+              <a:defRPr sz="1200"/>
             </a:lvl9pPr>
           </a:lstStyle>
           <a:p>
@@ -255,8 +260,8 @@
         </p:nvSpPr>
         <p:spPr>
           <a:xfrm>
-            <a:off x="752858" y="6453386"/>
-            <a:ext cx="1607944" cy="404614"/>
+            <a:off x="564644" y="6453386"/>
+            <a:ext cx="1205958" cy="404614"/>
           </a:xfrm>
         </p:spPr>
         <p:txBody>
@@ -292,8 +297,8 @@
         </p:nvSpPr>
         <p:spPr>
           <a:xfrm>
-            <a:off x="2584054" y="6453386"/>
-            <a:ext cx="7023377" cy="404614"/>
+            <a:off x="1938041" y="6453386"/>
+            <a:ext cx="5267533" cy="404614"/>
           </a:xfrm>
         </p:spPr>
         <p:txBody>
@@ -324,8 +329,8 @@
         </p:nvSpPr>
         <p:spPr>
           <a:xfrm>
-            <a:off x="9830683" y="6453386"/>
-            <a:ext cx="1596292" cy="404614"/>
+            <a:off x="7373012" y="6453386"/>
+            <a:ext cx="1197219" cy="404614"/>
           </a:xfrm>
         </p:spPr>
         <p:txBody>
@@ -357,8 +362,8 @@
         </p:nvGrpSpPr>
         <p:grpSpPr>
           <a:xfrm>
-            <a:off x="752858" y="744469"/>
-            <a:ext cx="10674117" cy="5349671"/>
+            <a:off x="564644" y="744470"/>
+            <a:ext cx="8005588" cy="5349671"/>
             <a:chOff x="752858" y="744469"/>
             <a:chExt cx="10674117" cy="5349671"/>
           </a:xfrm>
@@ -538,8 +543,8 @@
         </p:nvSpPr>
         <p:spPr>
           <a:xfrm>
-            <a:off x="1371600" y="2295525"/>
-            <a:ext cx="9601200" cy="3571875"/>
+            <a:off x="1028700" y="2295526"/>
+            <a:ext cx="7200900" cy="3571875"/>
           </a:xfrm>
         </p:spPr>
         <p:txBody>
@@ -685,8 +690,8 @@
         </p:nvSpPr>
         <p:spPr>
           <a:xfrm>
-            <a:off x="9596561" y="624156"/>
-            <a:ext cx="1565766" cy="5243244"/>
+            <a:off x="7197421" y="624156"/>
+            <a:ext cx="1174325" cy="5243244"/>
           </a:xfrm>
         </p:spPr>
         <p:txBody>
@@ -713,8 +718,8 @@
         </p:nvSpPr>
         <p:spPr>
           <a:xfrm>
-            <a:off x="1371600" y="624156"/>
-            <a:ext cx="8179641" cy="5243244"/>
+            <a:off x="1028700" y="624156"/>
+            <a:ext cx="6134731" cy="5243244"/>
           </a:xfrm>
         </p:spPr>
         <p:txBody>
@@ -1030,8 +1035,8 @@
         </p:nvSpPr>
         <p:spPr>
           <a:xfrm>
-            <a:off x="765025" y="1301360"/>
-            <a:ext cx="9612971" cy="2852737"/>
+            <a:off x="573769" y="1301361"/>
+            <a:ext cx="7209728" cy="2852737"/>
           </a:xfrm>
         </p:spPr>
         <p:txBody>
@@ -1040,7 +1045,7 @@
           </a:bodyPr>
           <a:lstStyle>
             <a:lvl1pPr algn="r">
-              <a:defRPr sz="7200" cap="all" baseline="0">
+              <a:defRPr sz="5400" cap="all" baseline="0">
                 <a:solidFill>
                   <a:schemeClr val="tx2"/>
                 </a:solidFill>
@@ -1068,8 +1073,8 @@
         </p:nvSpPr>
         <p:spPr>
           <a:xfrm>
-            <a:off x="765025" y="4216328"/>
-            <a:ext cx="9612971" cy="1143324"/>
+            <a:off x="573769" y="4216328"/>
+            <a:ext cx="7209728" cy="1143324"/>
           </a:xfrm>
         </p:spPr>
         <p:txBody>
@@ -1086,15 +1091,15 @@
                 <a:spcPts val="0"/>
               </a:spcAft>
               <a:buNone/>
-              <a:defRPr sz="2400">
+              <a:defRPr sz="1800">
                 <a:solidFill>
                   <a:schemeClr val="tx2"/>
                 </a:solidFill>
               </a:defRPr>
             </a:lvl1pPr>
-            <a:lvl2pPr marL="457200" indent="0">
-              <a:buNone/>
-              <a:defRPr sz="2000">
+            <a:lvl2pPr marL="342900" indent="0">
+              <a:buNone/>
+              <a:defRPr sz="1500">
                 <a:solidFill>
                   <a:schemeClr val="tx1">
                     <a:tint val="75000"/>
@@ -1102,9 +1107,9 @@
                 </a:solidFill>
               </a:defRPr>
             </a:lvl2pPr>
-            <a:lvl3pPr marL="914400" indent="0">
-              <a:buNone/>
-              <a:defRPr sz="1800">
+            <a:lvl3pPr marL="685800" indent="0">
+              <a:buNone/>
+              <a:defRPr sz="1350">
                 <a:solidFill>
                   <a:schemeClr val="tx1">
                     <a:tint val="75000"/>
@@ -1112,9 +1117,9 @@
                 </a:solidFill>
               </a:defRPr>
             </a:lvl3pPr>
-            <a:lvl4pPr marL="1371600" indent="0">
-              <a:buNone/>
-              <a:defRPr sz="1600">
+            <a:lvl4pPr marL="1028700" indent="0">
+              <a:buNone/>
+              <a:defRPr sz="1200">
                 <a:solidFill>
                   <a:schemeClr val="tx1">
                     <a:tint val="75000"/>
@@ -1122,9 +1127,9 @@
                 </a:solidFill>
               </a:defRPr>
             </a:lvl4pPr>
-            <a:lvl5pPr marL="1828800" indent="0">
-              <a:buNone/>
-              <a:defRPr sz="1600">
+            <a:lvl5pPr marL="1371600" indent="0">
+              <a:buNone/>
+              <a:defRPr sz="1200">
                 <a:solidFill>
                   <a:schemeClr val="tx1">
                     <a:tint val="75000"/>
@@ -1132,9 +1137,9 @@
                 </a:solidFill>
               </a:defRPr>
             </a:lvl5pPr>
-            <a:lvl6pPr marL="2286000" indent="0">
-              <a:buNone/>
-              <a:defRPr sz="1600">
+            <a:lvl6pPr marL="1714500" indent="0">
+              <a:buNone/>
+              <a:defRPr sz="1200">
                 <a:solidFill>
                   <a:schemeClr val="tx1">
                     <a:tint val="75000"/>
@@ -1142,9 +1147,9 @@
                 </a:solidFill>
               </a:defRPr>
             </a:lvl6pPr>
-            <a:lvl7pPr marL="2743200" indent="0">
-              <a:buNone/>
-              <a:defRPr sz="1600">
+            <a:lvl7pPr marL="2057400" indent="0">
+              <a:buNone/>
+              <a:defRPr sz="1200">
                 <a:solidFill>
                   <a:schemeClr val="tx1">
                     <a:tint val="75000"/>
@@ -1152,9 +1157,9 @@
                 </a:solidFill>
               </a:defRPr>
             </a:lvl7pPr>
-            <a:lvl8pPr marL="3200400" indent="0">
-              <a:buNone/>
-              <a:defRPr sz="1600">
+            <a:lvl8pPr marL="2400300" indent="0">
+              <a:buNone/>
+              <a:defRPr sz="1200">
                 <a:solidFill>
                   <a:schemeClr val="tx1">
                     <a:tint val="75000"/>
@@ -1162,9 +1167,9 @@
                 </a:solidFill>
               </a:defRPr>
             </a:lvl8pPr>
-            <a:lvl9pPr marL="3657600" indent="0">
-              <a:buNone/>
-              <a:defRPr sz="1600">
+            <a:lvl9pPr marL="2743200" indent="0">
+              <a:buNone/>
+              <a:defRPr sz="1200">
                 <a:solidFill>
                   <a:schemeClr val="tx1">
                     <a:tint val="75000"/>
@@ -1194,8 +1199,8 @@
         </p:nvSpPr>
         <p:spPr>
           <a:xfrm>
-            <a:off x="738908" y="6453386"/>
-            <a:ext cx="1622409" cy="404614"/>
+            <a:off x="554181" y="6453386"/>
+            <a:ext cx="1216807" cy="404614"/>
           </a:xfrm>
         </p:spPr>
         <p:txBody>
@@ -1231,8 +1236,8 @@
         </p:nvSpPr>
         <p:spPr>
           <a:xfrm>
-            <a:off x="2584312" y="6453386"/>
-            <a:ext cx="7023377" cy="404614"/>
+            <a:off x="1938234" y="6453386"/>
+            <a:ext cx="5267533" cy="404614"/>
           </a:xfrm>
         </p:spPr>
         <p:txBody>
@@ -1263,8 +1268,8 @@
         </p:nvSpPr>
         <p:spPr>
           <a:xfrm>
-            <a:off x="9830683" y="6453386"/>
-            <a:ext cx="1596292" cy="404614"/>
+            <a:off x="7373012" y="6453386"/>
+            <a:ext cx="1197219" cy="404614"/>
           </a:xfrm>
         </p:spPr>
         <p:txBody>
@@ -1296,8 +1301,8 @@
         </p:nvSpPr>
         <p:spPr bwMode="auto">
           <a:xfrm>
-            <a:off x="8151962" y="1685652"/>
-            <a:ext cx="3275013" cy="4408488"/>
+            <a:off x="6113972" y="1685652"/>
+            <a:ext cx="2456260" cy="4408488"/>
           </a:xfrm>
           <a:custGeom>
             <a:avLst/>
@@ -1412,8 +1417,8 @@
         </p:nvSpPr>
         <p:spPr>
           <a:xfrm>
-            <a:off x="1371600" y="2285999"/>
-            <a:ext cx="4447786" cy="3581401"/>
+            <a:off x="1028700" y="2286000"/>
+            <a:ext cx="3335840" cy="3581401"/>
           </a:xfrm>
         </p:spPr>
         <p:txBody>
@@ -1505,8 +1510,8 @@
         </p:nvSpPr>
         <p:spPr>
           <a:xfrm>
-            <a:off x="6525403" y="2285999"/>
-            <a:ext cx="4447786" cy="3581401"/>
+            <a:off x="4894052" y="2286000"/>
+            <a:ext cx="3335840" cy="3581401"/>
           </a:xfrm>
         </p:spPr>
         <p:txBody>
@@ -1688,8 +1693,8 @@
         </p:nvSpPr>
         <p:spPr>
           <a:xfrm>
-            <a:off x="1371600" y="685800"/>
-            <a:ext cx="9601200" cy="1485900"/>
+            <a:off x="1028700" y="685800"/>
+            <a:ext cx="7200900" cy="1485900"/>
           </a:xfrm>
         </p:spPr>
         <p:txBody>
@@ -1724,8 +1729,8 @@
         </p:nvSpPr>
         <p:spPr>
           <a:xfrm>
-            <a:off x="1371600" y="2340864"/>
-            <a:ext cx="4443984" cy="823912"/>
+            <a:off x="1028700" y="2340864"/>
+            <a:ext cx="3332988" cy="823912"/>
           </a:xfrm>
         </p:spPr>
         <p:txBody>
@@ -1744,43 +1749,43 @@
                 <a:spcPts val="0"/>
               </a:spcAft>
               <a:buNone/>
-              <a:defRPr sz="3000" b="0" baseline="0">
+              <a:defRPr sz="2250" b="0" baseline="0">
                 <a:solidFill>
                   <a:schemeClr val="tx2"/>
                 </a:solidFill>
               </a:defRPr>
             </a:lvl1pPr>
-            <a:lvl2pPr marL="457200" indent="0">
-              <a:buNone/>
-              <a:defRPr sz="2000" b="1"/>
+            <a:lvl2pPr marL="342900" indent="0">
+              <a:buNone/>
+              <a:defRPr sz="1500" b="1"/>
             </a:lvl2pPr>
-            <a:lvl3pPr marL="914400" indent="0">
-              <a:buNone/>
-              <a:defRPr sz="1800" b="1"/>
+            <a:lvl3pPr marL="685800" indent="0">
+              <a:buNone/>
+              <a:defRPr sz="1350" b="1"/>
             </a:lvl3pPr>
-            <a:lvl4pPr marL="1371600" indent="0">
-              <a:buNone/>
-              <a:defRPr sz="1600" b="1"/>
+            <a:lvl4pPr marL="1028700" indent="0">
+              <a:buNone/>
+              <a:defRPr sz="1200" b="1"/>
             </a:lvl4pPr>
-            <a:lvl5pPr marL="1828800" indent="0">
-              <a:buNone/>
-              <a:defRPr sz="1600" b="1"/>
+            <a:lvl5pPr marL="1371600" indent="0">
+              <a:buNone/>
+              <a:defRPr sz="1200" b="1"/>
             </a:lvl5pPr>
-            <a:lvl6pPr marL="2286000" indent="0">
-              <a:buNone/>
-              <a:defRPr sz="1600" b="1"/>
+            <a:lvl6pPr marL="1714500" indent="0">
+              <a:buNone/>
+              <a:defRPr sz="1200" b="1"/>
             </a:lvl6pPr>
-            <a:lvl7pPr marL="2743200" indent="0">
-              <a:buNone/>
-              <a:defRPr sz="1600" b="1"/>
+            <a:lvl7pPr marL="2057400" indent="0">
+              <a:buNone/>
+              <a:defRPr sz="1200" b="1"/>
             </a:lvl7pPr>
-            <a:lvl8pPr marL="3200400" indent="0">
-              <a:buNone/>
-              <a:defRPr sz="1600" b="1"/>
+            <a:lvl8pPr marL="2400300" indent="0">
+              <a:buNone/>
+              <a:defRPr sz="1200" b="1"/>
             </a:lvl8pPr>
-            <a:lvl9pPr marL="3657600" indent="0">
-              <a:buNone/>
-              <a:defRPr sz="1600" b="1"/>
+            <a:lvl9pPr marL="2743200" indent="0">
+              <a:buNone/>
+              <a:defRPr sz="1200" b="1"/>
             </a:lvl9pPr>
           </a:lstStyle>
           <a:p>
@@ -1804,8 +1809,8 @@
         </p:nvSpPr>
         <p:spPr>
           <a:xfrm>
-            <a:off x="1371600" y="3305207"/>
-            <a:ext cx="4443984" cy="2562193"/>
+            <a:off x="1028700" y="3305208"/>
+            <a:ext cx="3332988" cy="2562193"/>
           </a:xfrm>
         </p:spPr>
         <p:txBody>
@@ -1897,8 +1902,8 @@
         </p:nvSpPr>
         <p:spPr>
           <a:xfrm>
-            <a:off x="6525014" y="2340864"/>
-            <a:ext cx="4443984" cy="823912"/>
+            <a:off x="4893761" y="2340864"/>
+            <a:ext cx="3332988" cy="823912"/>
           </a:xfrm>
         </p:spPr>
         <p:txBody>
@@ -1917,43 +1922,43 @@
                 <a:spcPts val="0"/>
               </a:spcAft>
               <a:buNone/>
-              <a:defRPr sz="3000" b="0" baseline="0">
+              <a:defRPr sz="2250" b="0" baseline="0">
                 <a:solidFill>
                   <a:schemeClr val="tx2"/>
                 </a:solidFill>
               </a:defRPr>
             </a:lvl1pPr>
-            <a:lvl2pPr marL="457200" indent="0">
-              <a:buNone/>
-              <a:defRPr sz="2000" b="1"/>
+            <a:lvl2pPr marL="342900" indent="0">
+              <a:buNone/>
+              <a:defRPr sz="1500" b="1"/>
             </a:lvl2pPr>
-            <a:lvl3pPr marL="914400" indent="0">
-              <a:buNone/>
-              <a:defRPr sz="1800" b="1"/>
+            <a:lvl3pPr marL="685800" indent="0">
+              <a:buNone/>
+              <a:defRPr sz="1350" b="1"/>
             </a:lvl3pPr>
-            <a:lvl4pPr marL="1371600" indent="0">
-              <a:buNone/>
-              <a:defRPr sz="1600" b="1"/>
+            <a:lvl4pPr marL="1028700" indent="0">
+              <a:buNone/>
+              <a:defRPr sz="1200" b="1"/>
             </a:lvl4pPr>
-            <a:lvl5pPr marL="1828800" indent="0">
-              <a:buNone/>
-              <a:defRPr sz="1600" b="1"/>
+            <a:lvl5pPr marL="1371600" indent="0">
+              <a:buNone/>
+              <a:defRPr sz="1200" b="1"/>
             </a:lvl5pPr>
-            <a:lvl6pPr marL="2286000" indent="0">
-              <a:buNone/>
-              <a:defRPr sz="1600" b="1"/>
+            <a:lvl6pPr marL="1714500" indent="0">
+              <a:buNone/>
+              <a:defRPr sz="1200" b="1"/>
             </a:lvl6pPr>
-            <a:lvl7pPr marL="2743200" indent="0">
-              <a:buNone/>
-              <a:defRPr sz="1600" b="1"/>
+            <a:lvl7pPr marL="2057400" indent="0">
+              <a:buNone/>
+              <a:defRPr sz="1200" b="1"/>
             </a:lvl7pPr>
-            <a:lvl8pPr marL="3200400" indent="0">
-              <a:buNone/>
-              <a:defRPr sz="1600" b="1"/>
+            <a:lvl8pPr marL="2400300" indent="0">
+              <a:buNone/>
+              <a:defRPr sz="1200" b="1"/>
             </a:lvl8pPr>
-            <a:lvl9pPr marL="3657600" indent="0">
-              <a:buNone/>
-              <a:defRPr sz="1600" b="1"/>
+            <a:lvl9pPr marL="2743200" indent="0">
+              <a:buNone/>
+              <a:defRPr sz="1200" b="1"/>
             </a:lvl9pPr>
           </a:lstStyle>
           <a:p>
@@ -1977,8 +1982,8 @@
         </p:nvSpPr>
         <p:spPr>
           <a:xfrm>
-            <a:off x="6525014" y="3305207"/>
-            <a:ext cx="4443984" cy="2562193"/>
+            <a:off x="4893761" y="3305208"/>
+            <a:ext cx="3332988" cy="2562193"/>
           </a:xfrm>
         </p:spPr>
         <p:txBody>
@@ -2360,7 +2365,7 @@
         <p:spPr>
           <a:xfrm>
             <a:off x="0" y="376"/>
-            <a:ext cx="5303520" cy="6857624"/>
+            <a:ext cx="3977640" cy="6857624"/>
           </a:xfrm>
           <a:prstGeom prst="rect">
             <a:avLst/>
@@ -2401,8 +2406,8 @@
         </p:nvSpPr>
         <p:spPr>
           <a:xfrm>
-            <a:off x="723900" y="685800"/>
-            <a:ext cx="3855720" cy="2157884"/>
+            <a:off x="542925" y="685800"/>
+            <a:ext cx="2891790" cy="2157884"/>
           </a:xfrm>
         </p:spPr>
         <p:txBody>
@@ -2414,7 +2419,7 @@
               <a:lnSpc>
                 <a:spcPct val="84000"/>
               </a:lnSpc>
-              <a:defRPr sz="4800" baseline="0">
+              <a:defRPr sz="3600" baseline="0">
                 <a:solidFill>
                   <a:schemeClr val="tx2"/>
                 </a:solidFill>
@@ -2442,39 +2447,39 @@
         </p:nvSpPr>
         <p:spPr>
           <a:xfrm>
-            <a:off x="6256020" y="685801"/>
-            <a:ext cx="5212080" cy="5175250"/>
+            <a:off x="4692015" y="685801"/>
+            <a:ext cx="3909060" cy="5175250"/>
           </a:xfrm>
         </p:spPr>
         <p:txBody>
           <a:bodyPr/>
           <a:lstStyle>
             <a:lvl1pPr>
-              <a:defRPr sz="2000"/>
+              <a:defRPr sz="1500"/>
             </a:lvl1pPr>
             <a:lvl2pPr>
-              <a:defRPr sz="2000"/>
+              <a:defRPr sz="1500"/>
             </a:lvl2pPr>
             <a:lvl3pPr>
-              <a:defRPr sz="1800"/>
+              <a:defRPr sz="1350"/>
             </a:lvl3pPr>
             <a:lvl4pPr>
-              <a:defRPr sz="1800"/>
+              <a:defRPr sz="1350"/>
             </a:lvl4pPr>
             <a:lvl5pPr>
-              <a:defRPr sz="1600"/>
+              <a:defRPr sz="1200"/>
             </a:lvl5pPr>
             <a:lvl6pPr>
-              <a:defRPr sz="1600"/>
+              <a:defRPr sz="1200"/>
             </a:lvl6pPr>
             <a:lvl7pPr>
-              <a:defRPr sz="1600"/>
+              <a:defRPr sz="1200"/>
             </a:lvl7pPr>
             <a:lvl8pPr>
-              <a:defRPr sz="1600"/>
+              <a:defRPr sz="1200"/>
             </a:lvl8pPr>
             <a:lvl9pPr>
-              <a:defRPr sz="1600"/>
+              <a:defRPr sz="1200"/>
             </a:lvl9pPr>
           </a:lstStyle>
           <a:p>
@@ -2527,8 +2532,8 @@
         </p:nvSpPr>
         <p:spPr>
           <a:xfrm>
-            <a:off x="723900" y="2856344"/>
-            <a:ext cx="3855720" cy="3011056"/>
+            <a:off x="542925" y="2856344"/>
+            <a:ext cx="2891790" cy="3011056"/>
           </a:xfrm>
         </p:spPr>
         <p:txBody>
@@ -2542,42 +2547,42 @@
                 <a:spcPts val="0"/>
               </a:spcBef>
               <a:spcAft>
-                <a:spcPts val="1500"/>
+                <a:spcPts val="1125"/>
               </a:spcAft>
               <a:buNone/>
-              <a:defRPr sz="1600"/>
+              <a:defRPr sz="1200"/>
             </a:lvl1pPr>
-            <a:lvl2pPr marL="457200" indent="0">
-              <a:buNone/>
-              <a:defRPr sz="1400"/>
+            <a:lvl2pPr marL="342900" indent="0">
+              <a:buNone/>
+              <a:defRPr sz="1050"/>
             </a:lvl2pPr>
-            <a:lvl3pPr marL="914400" indent="0">
-              <a:buNone/>
-              <a:defRPr sz="1200"/>
+            <a:lvl3pPr marL="685800" indent="0">
+              <a:buNone/>
+              <a:defRPr sz="900"/>
             </a:lvl3pPr>
-            <a:lvl4pPr marL="1371600" indent="0">
-              <a:buNone/>
-              <a:defRPr sz="1000"/>
+            <a:lvl4pPr marL="1028700" indent="0">
+              <a:buNone/>
+              <a:defRPr sz="750"/>
             </a:lvl4pPr>
-            <a:lvl5pPr marL="1828800" indent="0">
-              <a:buNone/>
-              <a:defRPr sz="1000"/>
+            <a:lvl5pPr marL="1371600" indent="0">
+              <a:buNone/>
+              <a:defRPr sz="750"/>
             </a:lvl5pPr>
-            <a:lvl6pPr marL="2286000" indent="0">
-              <a:buNone/>
-              <a:defRPr sz="1000"/>
+            <a:lvl6pPr marL="1714500" indent="0">
+              <a:buNone/>
+              <a:defRPr sz="750"/>
             </a:lvl6pPr>
-            <a:lvl7pPr marL="2743200" indent="0">
-              <a:buNone/>
-              <a:defRPr sz="1000"/>
+            <a:lvl7pPr marL="2057400" indent="0">
+              <a:buNone/>
+              <a:defRPr sz="750"/>
             </a:lvl7pPr>
-            <a:lvl8pPr marL="3200400" indent="0">
-              <a:buNone/>
-              <a:defRPr sz="1000"/>
+            <a:lvl8pPr marL="2400300" indent="0">
+              <a:buNone/>
+              <a:defRPr sz="750"/>
             </a:lvl8pPr>
-            <a:lvl9pPr marL="3657600" indent="0">
-              <a:buNone/>
-              <a:defRPr sz="1000"/>
+            <a:lvl9pPr marL="2743200" indent="0">
+              <a:buNone/>
+              <a:defRPr sz="750"/>
             </a:lvl9pPr>
           </a:lstStyle>
           <a:p>
@@ -2601,8 +2606,8 @@
         </p:nvSpPr>
         <p:spPr>
           <a:xfrm>
-            <a:off x="723900" y="6453386"/>
-            <a:ext cx="1204572" cy="404614"/>
+            <a:off x="542925" y="6453386"/>
+            <a:ext cx="903429" cy="404614"/>
           </a:xfrm>
         </p:spPr>
         <p:txBody>
@@ -2638,8 +2643,8 @@
         </p:nvSpPr>
         <p:spPr>
           <a:xfrm>
-            <a:off x="2205945" y="6453386"/>
-            <a:ext cx="2373675" cy="404614"/>
+            <a:off x="1654459" y="6453386"/>
+            <a:ext cx="1780256" cy="404614"/>
           </a:xfrm>
         </p:spPr>
         <p:txBody>
@@ -2670,8 +2675,8 @@
         </p:nvSpPr>
         <p:spPr>
           <a:xfrm>
-            <a:off x="9883140" y="6453386"/>
-            <a:ext cx="1596292" cy="404614"/>
+            <a:off x="7412355" y="6453386"/>
+            <a:ext cx="1197219" cy="404614"/>
           </a:xfrm>
         </p:spPr>
         <p:txBody>
@@ -2703,8 +2708,8 @@
         </p:nvSpPr>
         <p:spPr>
           <a:xfrm>
-            <a:off x="5303520" y="376"/>
-            <a:ext cx="228600" cy="6858000"/>
+            <a:off x="3977640" y="376"/>
+            <a:ext cx="171450" cy="6858000"/>
           </a:xfrm>
           <a:prstGeom prst="rect">
             <a:avLst/>
@@ -2767,7 +2772,7 @@
         <p:spPr>
           <a:xfrm>
             <a:off x="0" y="376"/>
-            <a:ext cx="5303520" cy="6857624"/>
+            <a:ext cx="3977640" cy="6857624"/>
           </a:xfrm>
           <a:prstGeom prst="rect">
             <a:avLst/>
@@ -2808,8 +2813,8 @@
         </p:nvSpPr>
         <p:spPr>
           <a:xfrm>
-            <a:off x="723900" y="685800"/>
-            <a:ext cx="3855720" cy="2157884"/>
+            <a:off x="542925" y="685800"/>
+            <a:ext cx="2891790" cy="2157884"/>
           </a:xfrm>
         </p:spPr>
         <p:txBody>
@@ -2821,7 +2826,7 @@
               <a:lnSpc>
                 <a:spcPct val="84000"/>
               </a:lnSpc>
-              <a:defRPr sz="4800" baseline="0"/>
+              <a:defRPr sz="3600" baseline="0"/>
             </a:lvl1pPr>
           </a:lstStyle>
           <a:p>
@@ -2845,8 +2850,8 @@
         </p:nvSpPr>
         <p:spPr>
           <a:xfrm>
-            <a:off x="5532120" y="0"/>
-            <a:ext cx="6659880" cy="6857999"/>
+            <a:off x="4149090" y="1"/>
+            <a:ext cx="4994910" cy="6857999"/>
           </a:xfrm>
         </p:spPr>
         <p:txBody>
@@ -2856,39 +2861,39 @@
           <a:lstStyle>
             <a:lvl1pPr marL="0" indent="0">
               <a:buNone/>
-              <a:defRPr sz="2000"/>
+              <a:defRPr sz="1500"/>
             </a:lvl1pPr>
-            <a:lvl2pPr marL="457200" indent="0">
-              <a:buNone/>
-              <a:defRPr sz="2000"/>
+            <a:lvl2pPr marL="342900" indent="0">
+              <a:buNone/>
+              <a:defRPr sz="1500"/>
             </a:lvl2pPr>
-            <a:lvl3pPr marL="914400" indent="0">
-              <a:buNone/>
-              <a:defRPr sz="2000"/>
+            <a:lvl3pPr marL="685800" indent="0">
+              <a:buNone/>
+              <a:defRPr sz="1500"/>
             </a:lvl3pPr>
-            <a:lvl4pPr marL="1371600" indent="0">
-              <a:buNone/>
-              <a:defRPr sz="2000"/>
+            <a:lvl4pPr marL="1028700" indent="0">
+              <a:buNone/>
+              <a:defRPr sz="1500"/>
             </a:lvl4pPr>
-            <a:lvl5pPr marL="1828800" indent="0">
-              <a:buNone/>
-              <a:defRPr sz="2000"/>
+            <a:lvl5pPr marL="1371600" indent="0">
+              <a:buNone/>
+              <a:defRPr sz="1500"/>
             </a:lvl5pPr>
-            <a:lvl6pPr marL="2286000" indent="0">
-              <a:buNone/>
-              <a:defRPr sz="2000"/>
+            <a:lvl6pPr marL="1714500" indent="0">
+              <a:buNone/>
+              <a:defRPr sz="1500"/>
             </a:lvl6pPr>
-            <a:lvl7pPr marL="2743200" indent="0">
-              <a:buNone/>
-              <a:defRPr sz="2000"/>
+            <a:lvl7pPr marL="2057400" indent="0">
+              <a:buNone/>
+              <a:defRPr sz="1500"/>
             </a:lvl7pPr>
-            <a:lvl8pPr marL="3200400" indent="0">
-              <a:buNone/>
-              <a:defRPr sz="2000"/>
+            <a:lvl8pPr marL="2400300" indent="0">
+              <a:buNone/>
+              <a:defRPr sz="1500"/>
             </a:lvl8pPr>
-            <a:lvl9pPr marL="3657600" indent="0">
-              <a:buNone/>
-              <a:defRPr sz="2000"/>
+            <a:lvl9pPr marL="2743200" indent="0">
+              <a:buNone/>
+              <a:defRPr sz="1500"/>
             </a:lvl9pPr>
           </a:lstStyle>
           <a:p>
@@ -2912,8 +2917,8 @@
         </p:nvSpPr>
         <p:spPr>
           <a:xfrm>
-            <a:off x="723900" y="2855968"/>
-            <a:ext cx="3855720" cy="3011432"/>
+            <a:off x="542925" y="2855968"/>
+            <a:ext cx="2891790" cy="3011432"/>
           </a:xfrm>
         </p:spPr>
         <p:txBody>
@@ -2927,42 +2932,42 @@
                 <a:spcPts val="0"/>
               </a:spcBef>
               <a:spcAft>
-                <a:spcPts val="1500"/>
+                <a:spcPts val="1125"/>
               </a:spcAft>
               <a:buNone/>
-              <a:defRPr sz="1600"/>
+              <a:defRPr sz="1200"/>
             </a:lvl1pPr>
-            <a:lvl2pPr marL="457200" indent="0">
-              <a:buNone/>
-              <a:defRPr sz="1400"/>
+            <a:lvl2pPr marL="342900" indent="0">
+              <a:buNone/>
+              <a:defRPr sz="1050"/>
             </a:lvl2pPr>
-            <a:lvl3pPr marL="914400" indent="0">
-              <a:buNone/>
-              <a:defRPr sz="1200"/>
+            <a:lvl3pPr marL="685800" indent="0">
+              <a:buNone/>
+              <a:defRPr sz="900"/>
             </a:lvl3pPr>
-            <a:lvl4pPr marL="1371600" indent="0">
-              <a:buNone/>
-              <a:defRPr sz="1000"/>
+            <a:lvl4pPr marL="1028700" indent="0">
+              <a:buNone/>
+              <a:defRPr sz="750"/>
             </a:lvl4pPr>
-            <a:lvl5pPr marL="1828800" indent="0">
-              <a:buNone/>
-              <a:defRPr sz="1000"/>
+            <a:lvl5pPr marL="1371600" indent="0">
+              <a:buNone/>
+              <a:defRPr sz="750"/>
             </a:lvl5pPr>
-            <a:lvl6pPr marL="2286000" indent="0">
-              <a:buNone/>
-              <a:defRPr sz="1000"/>
+            <a:lvl6pPr marL="1714500" indent="0">
+              <a:buNone/>
+              <a:defRPr sz="750"/>
             </a:lvl6pPr>
-            <a:lvl7pPr marL="2743200" indent="0">
-              <a:buNone/>
-              <a:defRPr sz="1000"/>
+            <a:lvl7pPr marL="2057400" indent="0">
+              <a:buNone/>
+              <a:defRPr sz="750"/>
             </a:lvl7pPr>
-            <a:lvl8pPr marL="3200400" indent="0">
-              <a:buNone/>
-              <a:defRPr sz="1000"/>
+            <a:lvl8pPr marL="2400300" indent="0">
+              <a:buNone/>
+              <a:defRPr sz="750"/>
             </a:lvl8pPr>
-            <a:lvl9pPr marL="3657600" indent="0">
-              <a:buNone/>
-              <a:defRPr sz="1000"/>
+            <a:lvl9pPr marL="2743200" indent="0">
+              <a:buNone/>
+              <a:defRPr sz="750"/>
             </a:lvl9pPr>
           </a:lstStyle>
           <a:p>
@@ -2986,8 +2991,8 @@
         </p:nvSpPr>
         <p:spPr>
           <a:xfrm>
-            <a:off x="723900" y="6453386"/>
-            <a:ext cx="1204572" cy="404614"/>
+            <a:off x="542925" y="6453386"/>
+            <a:ext cx="903429" cy="404614"/>
           </a:xfrm>
         </p:spPr>
         <p:txBody>
@@ -3023,8 +3028,8 @@
         </p:nvSpPr>
         <p:spPr>
           <a:xfrm>
-            <a:off x="2205945" y="6453386"/>
-            <a:ext cx="2373675" cy="404614"/>
+            <a:off x="1654459" y="6453386"/>
+            <a:ext cx="1780256" cy="404614"/>
           </a:xfrm>
         </p:spPr>
         <p:txBody>
@@ -3055,8 +3060,8 @@
         </p:nvSpPr>
         <p:spPr>
           <a:xfrm>
-            <a:off x="9883140" y="6453386"/>
-            <a:ext cx="1596292" cy="404614"/>
+            <a:off x="7412355" y="6453386"/>
+            <a:ext cx="1197219" cy="404614"/>
           </a:xfrm>
         </p:spPr>
         <p:txBody>
@@ -3088,8 +3093,8 @@
         </p:nvSpPr>
         <p:spPr>
           <a:xfrm>
-            <a:off x="5303520" y="376"/>
-            <a:ext cx="228600" cy="6858000"/>
+            <a:off x="3977640" y="376"/>
+            <a:ext cx="171450" cy="6858000"/>
           </a:xfrm>
           <a:prstGeom prst="rect">
             <a:avLst/>
@@ -3163,8 +3168,8 @@
         </p:nvSpPr>
         <p:spPr>
           <a:xfrm>
-            <a:off x="1371600" y="685800"/>
-            <a:ext cx="9601200" cy="1485900"/>
+            <a:off x="1028700" y="685800"/>
+            <a:ext cx="7200900" cy="1485900"/>
           </a:xfrm>
           <a:prstGeom prst="rect">
             <a:avLst/>
@@ -3196,8 +3201,8 @@
         </p:nvSpPr>
         <p:spPr>
           <a:xfrm>
-            <a:off x="1371600" y="2286000"/>
-            <a:ext cx="9601200" cy="3581400"/>
+            <a:off x="1028700" y="2286000"/>
+            <a:ext cx="7200900" cy="3581400"/>
           </a:xfrm>
           <a:prstGeom prst="rect">
             <a:avLst/>
@@ -3258,8 +3263,8 @@
         </p:nvSpPr>
         <p:spPr>
           <a:xfrm>
-            <a:off x="1390650" y="6453386"/>
-            <a:ext cx="1204572" cy="404614"/>
+            <a:off x="1042987" y="6453386"/>
+            <a:ext cx="903429" cy="404614"/>
           </a:xfrm>
           <a:prstGeom prst="rect">
             <a:avLst/>
@@ -3269,7 +3274,7 @@
           <a:bodyPr vert="horz" lIns="91440" tIns="45720" rIns="91440" bIns="45720" rtlCol="0" anchor="ctr"/>
           <a:lstStyle>
             <a:lvl1pPr algn="l">
-              <a:defRPr sz="1200" baseline="0">
+              <a:defRPr sz="900" baseline="0">
                 <a:solidFill>
                   <a:schemeClr val="tx2"/>
                 </a:solidFill>
@@ -3298,8 +3303,8 @@
         </p:nvSpPr>
         <p:spPr>
           <a:xfrm>
-            <a:off x="2893564" y="6453386"/>
-            <a:ext cx="6280830" cy="404614"/>
+            <a:off x="2170173" y="6453386"/>
+            <a:ext cx="4710623" cy="404614"/>
           </a:xfrm>
           <a:prstGeom prst="rect">
             <a:avLst/>
@@ -3309,7 +3314,7 @@
           <a:bodyPr vert="horz" lIns="91440" tIns="45720" rIns="91440" bIns="45720" rtlCol="0" anchor="ctr"/>
           <a:lstStyle>
             <a:lvl1pPr algn="l">
-              <a:defRPr sz="1200" baseline="0">
+              <a:defRPr sz="900" baseline="0">
                 <a:solidFill>
                   <a:schemeClr val="tx2"/>
                 </a:solidFill>
@@ -3333,8 +3338,8 @@
         </p:nvSpPr>
         <p:spPr>
           <a:xfrm>
-            <a:off x="9472736" y="6453386"/>
-            <a:ext cx="1596292" cy="404614"/>
+            <a:off x="7104552" y="6453386"/>
+            <a:ext cx="1197219" cy="404614"/>
           </a:xfrm>
           <a:prstGeom prst="rect">
             <a:avLst/>
@@ -3344,7 +3349,7 @@
           <a:bodyPr vert="horz" lIns="91440" tIns="45720" rIns="91440" bIns="45720" rtlCol="0" anchor="ctr"/>
           <a:lstStyle>
             <a:lvl1pPr algn="r">
-              <a:defRPr sz="1200" baseline="0">
+              <a:defRPr sz="900" baseline="0">
                 <a:solidFill>
                   <a:schemeClr val="tx2"/>
                 </a:solidFill>
@@ -3369,8 +3374,8 @@
         </p:nvSpPr>
         <p:spPr>
           <a:xfrm>
-            <a:off x="478095" y="376"/>
-            <a:ext cx="228600" cy="6858000"/>
+            <a:off x="358571" y="376"/>
+            <a:ext cx="171450" cy="6858000"/>
           </a:xfrm>
           <a:prstGeom prst="rect">
             <a:avLst/>
@@ -3417,7 +3422,7 @@
   </p:sldLayoutIdLst>
   <p:txStyles>
     <p:titleStyle>
-      <a:lvl1pPr algn="l" defTabSz="914400" rtl="0" eaLnBrk="1" latinLnBrk="0" hangingPunct="1">
+      <a:lvl1pPr algn="l" defTabSz="685800" rtl="0" eaLnBrk="1" latinLnBrk="0" hangingPunct="1">
         <a:lnSpc>
           <a:spcPct val="89000"/>
         </a:lnSpc>
@@ -3425,7 +3430,7 @@
           <a:spcPct val="0"/>
         </a:spcBef>
         <a:buNone/>
-        <a:defRPr sz="4400" kern="1200" baseline="0">
+        <a:defRPr sz="3300" kern="1200" baseline="0">
           <a:solidFill>
             <a:schemeClr val="tx2"/>
           </a:solidFill>
@@ -3436,19 +3441,19 @@
       </a:lvl1pPr>
     </p:titleStyle>
     <p:bodyStyle>
-      <a:lvl1pPr marL="384048" indent="-384048" algn="l" defTabSz="914400" rtl="0" eaLnBrk="1" latinLnBrk="0" hangingPunct="1">
+      <a:lvl1pPr marL="288036" indent="-288036" algn="l" defTabSz="685800" rtl="0" eaLnBrk="1" latinLnBrk="0" hangingPunct="1">
         <a:lnSpc>
           <a:spcPct val="94000"/>
         </a:lnSpc>
         <a:spcBef>
-          <a:spcPts val="1000"/>
+          <a:spcPts val="750"/>
         </a:spcBef>
         <a:spcAft>
-          <a:spcPts val="200"/>
+          <a:spcPts val="150"/>
         </a:spcAft>
         <a:buFont typeface="Franklin Gothic Book" panose="020B0503020102020204" pitchFamily="34" charset="0"/>
         <a:buChar char="■"/>
-        <a:defRPr sz="2000" kern="1200" baseline="0">
+        <a:defRPr sz="1500" kern="1200" baseline="0">
           <a:solidFill>
             <a:schemeClr val="tx2"/>
           </a:solidFill>
@@ -3457,19 +3462,19 @@
           <a:cs typeface="+mn-cs"/>
         </a:defRPr>
       </a:lvl1pPr>
-      <a:lvl2pPr marL="914400" indent="-384048" algn="l" defTabSz="914400" rtl="0" eaLnBrk="1" latinLnBrk="0" hangingPunct="1">
+      <a:lvl2pPr marL="685800" indent="-288036" algn="l" defTabSz="685800" rtl="0" eaLnBrk="1" latinLnBrk="0" hangingPunct="1">
         <a:lnSpc>
           <a:spcPct val="94000"/>
         </a:lnSpc>
         <a:spcBef>
-          <a:spcPts val="500"/>
+          <a:spcPts val="375"/>
         </a:spcBef>
         <a:spcAft>
-          <a:spcPts val="200"/>
+          <a:spcPts val="150"/>
         </a:spcAft>
         <a:buFont typeface="Franklin Gothic Book" panose="020B0503020102020204" pitchFamily="34" charset="0"/>
         <a:buChar char="–"/>
-        <a:defRPr sz="2000" i="1" kern="1200" baseline="0">
+        <a:defRPr sz="1500" i="1" kern="1200" baseline="0">
           <a:solidFill>
             <a:schemeClr val="tx2"/>
           </a:solidFill>
@@ -3478,19 +3483,19 @@
           <a:cs typeface="+mn-cs"/>
         </a:defRPr>
       </a:lvl2pPr>
-      <a:lvl3pPr marL="1371600" indent="-384048" algn="l" defTabSz="914400" rtl="0" eaLnBrk="1" latinLnBrk="0" hangingPunct="1">
+      <a:lvl3pPr marL="1028700" indent="-288036" algn="l" defTabSz="685800" rtl="0" eaLnBrk="1" latinLnBrk="0" hangingPunct="1">
         <a:lnSpc>
           <a:spcPct val="94000"/>
         </a:lnSpc>
         <a:spcBef>
-          <a:spcPts val="500"/>
+          <a:spcPts val="375"/>
         </a:spcBef>
         <a:spcAft>
-          <a:spcPts val="200"/>
+          <a:spcPts val="150"/>
         </a:spcAft>
         <a:buFont typeface="Franklin Gothic Book" panose="020B0503020102020204" pitchFamily="34" charset="0"/>
         <a:buChar char="■"/>
-        <a:defRPr sz="1800" kern="1200" baseline="0">
+        <a:defRPr sz="1350" kern="1200" baseline="0">
           <a:solidFill>
             <a:schemeClr val="tx2"/>
           </a:solidFill>
@@ -3499,19 +3504,19 @@
           <a:cs typeface="+mn-cs"/>
         </a:defRPr>
       </a:lvl3pPr>
-      <a:lvl4pPr marL="1828800" indent="-384048" algn="l" defTabSz="914400" rtl="0" eaLnBrk="1" latinLnBrk="0" hangingPunct="1">
+      <a:lvl4pPr marL="1371600" indent="-288036" algn="l" defTabSz="685800" rtl="0" eaLnBrk="1" latinLnBrk="0" hangingPunct="1">
         <a:lnSpc>
           <a:spcPct val="94000"/>
         </a:lnSpc>
         <a:spcBef>
-          <a:spcPts val="500"/>
+          <a:spcPts val="375"/>
         </a:spcBef>
         <a:spcAft>
-          <a:spcPts val="200"/>
+          <a:spcPts val="150"/>
         </a:spcAft>
         <a:buFont typeface="Franklin Gothic Book" panose="020B0503020102020204" pitchFamily="34" charset="0"/>
         <a:buChar char="–"/>
-        <a:defRPr sz="1800" i="1" kern="1200" baseline="0">
+        <a:defRPr sz="1350" i="1" kern="1200" baseline="0">
           <a:solidFill>
             <a:schemeClr val="tx2"/>
           </a:solidFill>
@@ -3520,19 +3525,19 @@
           <a:cs typeface="+mn-cs"/>
         </a:defRPr>
       </a:lvl4pPr>
-      <a:lvl5pPr marL="2286000" indent="-384048" algn="l" defTabSz="914400" rtl="0" eaLnBrk="1" latinLnBrk="0" hangingPunct="1">
+      <a:lvl5pPr marL="1714500" indent="-288036" algn="l" defTabSz="685800" rtl="0" eaLnBrk="1" latinLnBrk="0" hangingPunct="1">
         <a:lnSpc>
           <a:spcPct val="94000"/>
         </a:lnSpc>
         <a:spcBef>
-          <a:spcPts val="500"/>
+          <a:spcPts val="375"/>
         </a:spcBef>
         <a:spcAft>
-          <a:spcPts val="200"/>
+          <a:spcPts val="150"/>
         </a:spcAft>
         <a:buFont typeface="Franklin Gothic Book" panose="020B0503020102020204" pitchFamily="34" charset="0"/>
         <a:buChar char="■"/>
-        <a:defRPr sz="1600" kern="1200" baseline="0">
+        <a:defRPr sz="1200" kern="1200" baseline="0">
           <a:solidFill>
             <a:schemeClr val="tx2"/>
           </a:solidFill>
@@ -3541,19 +3546,19 @@
           <a:cs typeface="+mn-cs"/>
         </a:defRPr>
       </a:lvl5pPr>
-      <a:lvl6pPr marL="2743200" indent="-384048" algn="l" defTabSz="914400" rtl="0" eaLnBrk="1" latinLnBrk="0" hangingPunct="1">
+      <a:lvl6pPr marL="2057400" indent="-288036" algn="l" defTabSz="685800" rtl="0" eaLnBrk="1" latinLnBrk="0" hangingPunct="1">
         <a:lnSpc>
           <a:spcPct val="94000"/>
         </a:lnSpc>
         <a:spcBef>
-          <a:spcPts val="500"/>
+          <a:spcPts val="375"/>
         </a:spcBef>
         <a:spcAft>
-          <a:spcPts val="200"/>
+          <a:spcPts val="150"/>
         </a:spcAft>
         <a:buFont typeface="Franklin Gothic Book" panose="020B0503020102020204" pitchFamily="34" charset="0"/>
         <a:buChar char="–"/>
-        <a:defRPr sz="1600" i="1" kern="1200" baseline="0">
+        <a:defRPr sz="1200" i="1" kern="1200" baseline="0">
           <a:solidFill>
             <a:schemeClr val="tx2"/>
           </a:solidFill>
@@ -3562,19 +3567,19 @@
           <a:cs typeface="+mn-cs"/>
         </a:defRPr>
       </a:lvl6pPr>
-      <a:lvl7pPr marL="3200400" indent="-384048" algn="l" defTabSz="914400" rtl="0" eaLnBrk="1" latinLnBrk="0" hangingPunct="1">
+      <a:lvl7pPr marL="2400300" indent="-288036" algn="l" defTabSz="685800" rtl="0" eaLnBrk="1" latinLnBrk="0" hangingPunct="1">
         <a:lnSpc>
           <a:spcPct val="94000"/>
         </a:lnSpc>
         <a:spcBef>
-          <a:spcPts val="500"/>
+          <a:spcPts val="375"/>
         </a:spcBef>
         <a:spcAft>
-          <a:spcPts val="200"/>
+          <a:spcPts val="150"/>
         </a:spcAft>
         <a:buFont typeface="Franklin Gothic Book" panose="020B0503020102020204" pitchFamily="34" charset="0"/>
         <a:buChar char="■"/>
-        <a:defRPr sz="1400" kern="1200" baseline="0">
+        <a:defRPr sz="1050" kern="1200" baseline="0">
           <a:solidFill>
             <a:schemeClr val="tx2"/>
           </a:solidFill>
@@ -3583,19 +3588,19 @@
           <a:cs typeface="+mn-cs"/>
         </a:defRPr>
       </a:lvl7pPr>
-      <a:lvl8pPr marL="3657600" indent="-384048" algn="l" defTabSz="914400" rtl="0" eaLnBrk="1" latinLnBrk="0" hangingPunct="1">
+      <a:lvl8pPr marL="2743200" indent="-288036" algn="l" defTabSz="685800" rtl="0" eaLnBrk="1" latinLnBrk="0" hangingPunct="1">
         <a:lnSpc>
           <a:spcPct val="94000"/>
         </a:lnSpc>
         <a:spcBef>
-          <a:spcPts val="500"/>
+          <a:spcPts val="375"/>
         </a:spcBef>
         <a:spcAft>
-          <a:spcPts val="200"/>
+          <a:spcPts val="150"/>
         </a:spcAft>
         <a:buFont typeface="Franklin Gothic Book" panose="020B0503020102020204" pitchFamily="34" charset="0"/>
         <a:buChar char="–"/>
-        <a:defRPr sz="1400" i="1" kern="1200" baseline="0">
+        <a:defRPr sz="1050" i="1" kern="1200" baseline="0">
           <a:solidFill>
             <a:schemeClr val="tx2"/>
           </a:solidFill>
@@ -3604,19 +3609,19 @@
           <a:cs typeface="+mn-cs"/>
         </a:defRPr>
       </a:lvl8pPr>
-      <a:lvl9pPr marL="4114800" indent="-384048" algn="l" defTabSz="914400" rtl="0" eaLnBrk="1" latinLnBrk="0" hangingPunct="1">
+      <a:lvl9pPr marL="3086100" indent="-288036" algn="l" defTabSz="685800" rtl="0" eaLnBrk="1" latinLnBrk="0" hangingPunct="1">
         <a:lnSpc>
           <a:spcPct val="94000"/>
         </a:lnSpc>
         <a:spcBef>
-          <a:spcPts val="500"/>
+          <a:spcPts val="375"/>
         </a:spcBef>
         <a:spcAft>
-          <a:spcPts val="200"/>
+          <a:spcPts val="150"/>
         </a:spcAft>
         <a:buFont typeface="Franklin Gothic Book" panose="020B0503020102020204" pitchFamily="34" charset="0"/>
         <a:buChar char="■"/>
-        <a:defRPr sz="1400" kern="1200" baseline="0">
+        <a:defRPr sz="1050" kern="1200" baseline="0">
           <a:solidFill>
             <a:schemeClr val="tx2"/>
           </a:solidFill>
@@ -3630,8 +3635,8 @@
       <a:defPPr>
         <a:defRPr lang="en-US"/>
       </a:defPPr>
-      <a:lvl1pPr marL="0" algn="l" defTabSz="914400" rtl="0" eaLnBrk="1" latinLnBrk="0" hangingPunct="1">
-        <a:defRPr sz="1800" kern="1200">
+      <a:lvl1pPr marL="0" algn="l" defTabSz="685800" rtl="0" eaLnBrk="1" latinLnBrk="0" hangingPunct="1">
+        <a:defRPr sz="1350" kern="1200">
           <a:solidFill>
             <a:schemeClr val="tx1"/>
           </a:solidFill>
@@ -3640,8 +3645,8 @@
           <a:cs typeface="+mn-cs"/>
         </a:defRPr>
       </a:lvl1pPr>
-      <a:lvl2pPr marL="457200" algn="l" defTabSz="914400" rtl="0" eaLnBrk="1" latinLnBrk="0" hangingPunct="1">
-        <a:defRPr sz="1800" kern="1200">
+      <a:lvl2pPr marL="342900" algn="l" defTabSz="685800" rtl="0" eaLnBrk="1" latinLnBrk="0" hangingPunct="1">
+        <a:defRPr sz="1350" kern="1200">
           <a:solidFill>
             <a:schemeClr val="tx1"/>
           </a:solidFill>
@@ -3650,8 +3655,8 @@
           <a:cs typeface="+mn-cs"/>
         </a:defRPr>
       </a:lvl2pPr>
-      <a:lvl3pPr marL="914400" algn="l" defTabSz="914400" rtl="0" eaLnBrk="1" latinLnBrk="0" hangingPunct="1">
-        <a:defRPr sz="1800" kern="1200">
+      <a:lvl3pPr marL="685800" algn="l" defTabSz="685800" rtl="0" eaLnBrk="1" latinLnBrk="0" hangingPunct="1">
+        <a:defRPr sz="1350" kern="1200">
           <a:solidFill>
             <a:schemeClr val="tx1"/>
           </a:solidFill>
@@ -3660,8 +3665,8 @@
           <a:cs typeface="+mn-cs"/>
         </a:defRPr>
       </a:lvl3pPr>
-      <a:lvl4pPr marL="1371600" algn="l" defTabSz="914400" rtl="0" eaLnBrk="1" latinLnBrk="0" hangingPunct="1">
-        <a:defRPr sz="1800" kern="1200">
+      <a:lvl4pPr marL="1028700" algn="l" defTabSz="685800" rtl="0" eaLnBrk="1" latinLnBrk="0" hangingPunct="1">
+        <a:defRPr sz="1350" kern="1200">
           <a:solidFill>
             <a:schemeClr val="tx1"/>
           </a:solidFill>
@@ -3670,8 +3675,8 @@
           <a:cs typeface="+mn-cs"/>
         </a:defRPr>
       </a:lvl4pPr>
-      <a:lvl5pPr marL="1828800" algn="l" defTabSz="914400" rtl="0" eaLnBrk="1" latinLnBrk="0" hangingPunct="1">
-        <a:defRPr sz="1800" kern="1200">
+      <a:lvl5pPr marL="1371600" algn="l" defTabSz="685800" rtl="0" eaLnBrk="1" latinLnBrk="0" hangingPunct="1">
+        <a:defRPr sz="1350" kern="1200">
           <a:solidFill>
             <a:schemeClr val="tx1"/>
           </a:solidFill>
@@ -3680,8 +3685,8 @@
           <a:cs typeface="+mn-cs"/>
         </a:defRPr>
       </a:lvl5pPr>
-      <a:lvl6pPr marL="2286000" algn="l" defTabSz="914400" rtl="0" eaLnBrk="1" latinLnBrk="0" hangingPunct="1">
-        <a:defRPr sz="1800" kern="1200">
+      <a:lvl6pPr marL="1714500" algn="l" defTabSz="685800" rtl="0" eaLnBrk="1" latinLnBrk="0" hangingPunct="1">
+        <a:defRPr sz="1350" kern="1200">
           <a:solidFill>
             <a:schemeClr val="tx1"/>
           </a:solidFill>
@@ -3690,8 +3695,8 @@
           <a:cs typeface="+mn-cs"/>
         </a:defRPr>
       </a:lvl6pPr>
-      <a:lvl7pPr marL="2743200" algn="l" defTabSz="914400" rtl="0" eaLnBrk="1" latinLnBrk="0" hangingPunct="1">
-        <a:defRPr sz="1800" kern="1200">
+      <a:lvl7pPr marL="2057400" algn="l" defTabSz="685800" rtl="0" eaLnBrk="1" latinLnBrk="0" hangingPunct="1">
+        <a:defRPr sz="1350" kern="1200">
           <a:solidFill>
             <a:schemeClr val="tx1"/>
           </a:solidFill>
@@ -3700,8 +3705,8 @@
           <a:cs typeface="+mn-cs"/>
         </a:defRPr>
       </a:lvl7pPr>
-      <a:lvl8pPr marL="3200400" algn="l" defTabSz="914400" rtl="0" eaLnBrk="1" latinLnBrk="0" hangingPunct="1">
-        <a:defRPr sz="1800" kern="1200">
+      <a:lvl8pPr marL="2400300" algn="l" defTabSz="685800" rtl="0" eaLnBrk="1" latinLnBrk="0" hangingPunct="1">
+        <a:defRPr sz="1350" kern="1200">
           <a:solidFill>
             <a:schemeClr val="tx1"/>
           </a:solidFill>
@@ -3710,8 +3715,8 @@
           <a:cs typeface="+mn-cs"/>
         </a:defRPr>
       </a:lvl8pPr>
-      <a:lvl9pPr marL="3657600" algn="l" defTabSz="914400" rtl="0" eaLnBrk="1" latinLnBrk="0" hangingPunct="1">
-        <a:defRPr sz="1800" kern="1200">
+      <a:lvl9pPr marL="2743200" algn="l" defTabSz="685800" rtl="0" eaLnBrk="1" latinLnBrk="0" hangingPunct="1">
+        <a:defRPr sz="1350" kern="1200">
           <a:solidFill>
             <a:schemeClr val="tx1"/>
           </a:solidFill>
@@ -3725,42 +3730,42 @@
   <p:extLst>
     <p:ext uri="{27BBF7A9-308A-43DC-89C8-2F10F3537804}">
       <p15:sldGuideLst xmlns:p15="http://schemas.microsoft.com/office/powerpoint/2012/main">
-        <p15:guide id="3" orient="horz" pos="1368">
+        <p15:guide id="3" orient="horz" pos="1368" userDrawn="1">
           <p15:clr>
             <a:srgbClr val="F26B43"/>
           </p15:clr>
         </p15:guide>
-        <p15:guide id="4" orient="horz" pos="1440">
+        <p15:guide id="4" orient="horz" pos="1440" userDrawn="1">
           <p15:clr>
             <a:srgbClr val="F26B43"/>
           </p15:clr>
         </p15:guide>
-        <p15:guide id="6" orient="horz" pos="3696">
+        <p15:guide id="6" orient="horz" pos="3696" userDrawn="1">
           <p15:clr>
             <a:srgbClr val="F26B43"/>
           </p15:clr>
         </p15:guide>
-        <p15:guide id="7" orient="horz" pos="432">
+        <p15:guide id="7" orient="horz" pos="432" userDrawn="1">
           <p15:clr>
             <a:srgbClr val="F26B43"/>
           </p15:clr>
         </p15:guide>
-        <p15:guide id="8" orient="horz" pos="1512">
+        <p15:guide id="8" orient="horz" pos="1512" userDrawn="1">
           <p15:clr>
             <a:srgbClr val="F26B43"/>
           </p15:clr>
         </p15:guide>
-        <p15:guide id="9" pos="6912">
+        <p15:guide id="9" pos="5184" userDrawn="1">
           <p15:clr>
             <a:srgbClr val="F26B43"/>
           </p15:clr>
         </p15:guide>
-        <p15:guide id="10" pos="936">
+        <p15:guide id="10" pos="702" userDrawn="1">
           <p15:clr>
             <a:srgbClr val="F26B43"/>
           </p15:clr>
         </p15:guide>
-        <p15:guide id="11" pos="864">
+        <p15:guide id="11" pos="648" userDrawn="1">
           <p15:clr>
             <a:srgbClr val="F26B43"/>
           </p15:clr>
